--- a/textbook/파이썬5-1교시.pptx
+++ b/textbook/파이썬5-1교시.pptx
@@ -8346,6 +8346,10 @@
               <a:rPr lang="ko-KR" altLang="en-US" dirty="0" err="1"/>
               <a:t>와이즈만</a:t>
             </a:r>
+            <a:r>
+              <a:rPr lang="en-US" altLang="ko-KR" dirty="0"/>
+              <a:t/>
+            </a:r>
             <a:br>
               <a:rPr lang="en-US" altLang="ko-KR" dirty="0"/>
             </a:br>
@@ -8369,10 +8373,17 @@
     <mc:Choice Requires="p14">
       <p:transition/>
     </mc:Choice>
-    <mc:Fallback xmlns:dsp="http://schemas.microsoft.com/office/drawing/2008/diagram" xmlns:dgm="http://schemas.openxmlformats.org/drawingml/2006/diagram" xmlns:c="http://schemas.openxmlformats.org/drawingml/2006/chart" xmlns="">
+    <mc:Fallback xmlns="" xmlns:c="http://schemas.openxmlformats.org/drawingml/2006/chart" xmlns:dgm="http://schemas.openxmlformats.org/drawingml/2006/diagram" xmlns:dsp="http://schemas.microsoft.com/office/drawing/2008/diagram">
       <p:transition/>
     </mc:Fallback>
   </mc:AlternateContent>
+  <p:timing>
+    <p:tnLst>
+      <p:par>
+        <p:cTn id="1" dur="indefinite" restart="never" nodeType="tmRoot"/>
+      </p:par>
+    </p:tnLst>
+  </p:timing>
 </p:sld>
 </file>
 
@@ -8515,7 +8526,7 @@
     <mc:Choice Requires="p14">
       <p:transition/>
     </mc:Choice>
-    <mc:Fallback xmlns="" xmlns:c="http://schemas.openxmlformats.org/drawingml/2006/chart" xmlns:dgm="http://schemas.openxmlformats.org/drawingml/2006/diagram" xmlns:dsp="http://schemas.microsoft.com/office/drawing/2008/diagram">
+    <mc:Fallback xmlns:dsp="http://schemas.microsoft.com/office/drawing/2008/diagram" xmlns:dgm="http://schemas.openxmlformats.org/drawingml/2006/diagram" xmlns:c="http://schemas.openxmlformats.org/drawingml/2006/chart" xmlns="">
       <p:transition/>
     </mc:Fallback>
   </mc:AlternateContent>
@@ -8658,10 +8669,17 @@
     <mc:Choice Requires="p14">
       <p:transition/>
     </mc:Choice>
-    <mc:Fallback xmlns:dsp="http://schemas.microsoft.com/office/drawing/2008/diagram" xmlns:dgm="http://schemas.openxmlformats.org/drawingml/2006/diagram" xmlns:c="http://schemas.openxmlformats.org/drawingml/2006/chart" xmlns="">
+    <mc:Fallback xmlns="" xmlns:c="http://schemas.openxmlformats.org/drawingml/2006/chart" xmlns:dgm="http://schemas.openxmlformats.org/drawingml/2006/diagram" xmlns:dsp="http://schemas.microsoft.com/office/drawing/2008/diagram">
       <p:transition/>
     </mc:Fallback>
   </mc:AlternateContent>
+  <p:timing>
+    <p:tnLst>
+      <p:par>
+        <p:cTn id="1" dur="indefinite" restart="never" nodeType="tmRoot"/>
+      </p:par>
+    </p:tnLst>
+  </p:timing>
 </p:sld>
 </file>
 
@@ -8811,6 +8829,20 @@
               <a:buNone/>
               <a:tabLst/>
             </a:pPr>
+            <a:r>
+              <a:rPr kumimoji="0" lang="ko-KR" altLang="ko-KR" sz="1200" b="0" i="0" u="none" strike="noStrike" cap="none" normalizeH="0" baseline="0" dirty="0">
+                <a:ln>
+                  <a:noFill/>
+                </a:ln>
+                <a:solidFill>
+                  <a:srgbClr val="A9B7C6"/>
+                </a:solidFill>
+                <a:effectLst/>
+                <a:latin typeface="Courier New" panose="02070309020205020404" pitchFamily="49" charset="0"/>
+                <a:cs typeface="Courier New" panose="02070309020205020404" pitchFamily="49" charset="0"/>
+              </a:rPr>
+              <a:t/>
+            </a:r>
             <a:br>
               <a:rPr kumimoji="0" lang="ko-KR" altLang="ko-KR" sz="1200" b="0" i="0" u="none" strike="noStrike" cap="none" normalizeH="0" baseline="0" dirty="0">
                 <a:ln>
@@ -8951,6 +8983,20 @@
               </a:rPr>
               <a:t>pygame</a:t>
             </a:r>
+            <a:r>
+              <a:rPr kumimoji="0" lang="ko-KR" altLang="ko-KR" sz="1200" b="0" i="0" u="none" strike="noStrike" cap="none" normalizeH="0" baseline="0" dirty="0">
+                <a:ln>
+                  <a:noFill/>
+                </a:ln>
+                <a:solidFill>
+                  <a:srgbClr val="A9B7C6"/>
+                </a:solidFill>
+                <a:effectLst/>
+                <a:latin typeface="Courier New" panose="02070309020205020404" pitchFamily="49" charset="0"/>
+                <a:cs typeface="Courier New" panose="02070309020205020404" pitchFamily="49" charset="0"/>
+              </a:rPr>
+              <a:t/>
+            </a:r>
             <a:br>
               <a:rPr kumimoji="0" lang="ko-KR" altLang="ko-KR" sz="1200" b="0" i="0" u="none" strike="noStrike" cap="none" normalizeH="0" baseline="0" dirty="0">
                 <a:ln>
@@ -8964,6 +9010,20 @@
                 <a:cs typeface="Courier New" panose="02070309020205020404" pitchFamily="49" charset="0"/>
               </a:rPr>
             </a:br>
+            <a:r>
+              <a:rPr kumimoji="0" lang="ko-KR" altLang="ko-KR" sz="1200" b="0" i="0" u="none" strike="noStrike" cap="none" normalizeH="0" baseline="0" dirty="0">
+                <a:ln>
+                  <a:noFill/>
+                </a:ln>
+                <a:solidFill>
+                  <a:srgbClr val="A9B7C6"/>
+                </a:solidFill>
+                <a:effectLst/>
+                <a:latin typeface="Courier New" panose="02070309020205020404" pitchFamily="49" charset="0"/>
+                <a:cs typeface="Courier New" panose="02070309020205020404" pitchFamily="49" charset="0"/>
+              </a:rPr>
+              <a:t/>
+            </a:r>
             <a:br>
               <a:rPr kumimoji="0" lang="ko-KR" altLang="ko-KR" sz="1200" b="0" i="0" u="none" strike="noStrike" cap="none" normalizeH="0" baseline="0" dirty="0">
                 <a:ln>
@@ -9990,6 +10050,20 @@
               </a:rPr>
               <a:t>True</a:t>
             </a:r>
+            <a:r>
+              <a:rPr kumimoji="0" lang="ko-KR" altLang="ko-KR" sz="1200" b="0" i="0" u="none" strike="noStrike" cap="none" normalizeH="0" baseline="0" dirty="0">
+                <a:ln>
+                  <a:noFill/>
+                </a:ln>
+                <a:solidFill>
+                  <a:srgbClr val="CC7832"/>
+                </a:solidFill>
+                <a:effectLst/>
+                <a:latin typeface="Courier New" panose="02070309020205020404" pitchFamily="49" charset="0"/>
+                <a:cs typeface="Courier New" panose="02070309020205020404" pitchFamily="49" charset="0"/>
+              </a:rPr>
+              <a:t/>
+            </a:r>
             <a:br>
               <a:rPr kumimoji="0" lang="ko-KR" altLang="ko-KR" sz="1200" b="0" i="0" u="none" strike="noStrike" cap="none" normalizeH="0" baseline="0" dirty="0">
                 <a:ln>
@@ -10003,6 +10077,20 @@
                 <a:cs typeface="Courier New" panose="02070309020205020404" pitchFamily="49" charset="0"/>
               </a:rPr>
             </a:br>
+            <a:r>
+              <a:rPr kumimoji="0" lang="ko-KR" altLang="ko-KR" sz="1200" b="0" i="0" u="none" strike="noStrike" cap="none" normalizeH="0" baseline="0" dirty="0">
+                <a:ln>
+                  <a:noFill/>
+                </a:ln>
+                <a:solidFill>
+                  <a:srgbClr val="CC7832"/>
+                </a:solidFill>
+                <a:effectLst/>
+                <a:latin typeface="Courier New" panose="02070309020205020404" pitchFamily="49" charset="0"/>
+                <a:cs typeface="Courier New" panose="02070309020205020404" pitchFamily="49" charset="0"/>
+              </a:rPr>
+              <a:t/>
+            </a:r>
             <a:br>
               <a:rPr kumimoji="0" lang="ko-KR" altLang="ko-KR" sz="1200" b="0" i="0" u="none" strike="noStrike" cap="none" normalizeH="0" baseline="0" dirty="0">
                 <a:ln>
@@ -10457,6 +10545,20 @@
                 <a:cs typeface="Courier New" panose="02070309020205020404" pitchFamily="49" charset="0"/>
               </a:rPr>
             </a:br>
+            <a:r>
+              <a:rPr kumimoji="0" lang="ko-KR" altLang="ko-KR" sz="1200" b="0" i="0" u="none" strike="noStrike" cap="none" normalizeH="0" baseline="0" dirty="0">
+                <a:ln>
+                  <a:noFill/>
+                </a:ln>
+                <a:solidFill>
+                  <a:srgbClr val="A9B7C6"/>
+                </a:solidFill>
+                <a:effectLst/>
+                <a:latin typeface="Courier New" panose="02070309020205020404" pitchFamily="49" charset="0"/>
+                <a:cs typeface="Courier New" panose="02070309020205020404" pitchFamily="49" charset="0"/>
+              </a:rPr>
+              <a:t/>
+            </a:r>
             <a:br>
               <a:rPr kumimoji="0" lang="ko-KR" altLang="ko-KR" sz="1200" b="0" i="0" u="none" strike="noStrike" cap="none" normalizeH="0" baseline="0" dirty="0">
                 <a:ln>
@@ -10901,6 +11003,20 @@
               </a:rPr>
               <a:t>False</a:t>
             </a:r>
+            <a:r>
+              <a:rPr kumimoji="0" lang="ko-KR" altLang="ko-KR" sz="1200" b="0" i="0" u="none" strike="noStrike" cap="none" normalizeH="0" baseline="0" dirty="0">
+                <a:ln>
+                  <a:noFill/>
+                </a:ln>
+                <a:solidFill>
+                  <a:srgbClr val="CC7832"/>
+                </a:solidFill>
+                <a:effectLst/>
+                <a:latin typeface="Courier New" panose="02070309020205020404" pitchFamily="49" charset="0"/>
+                <a:cs typeface="Courier New" panose="02070309020205020404" pitchFamily="49" charset="0"/>
+              </a:rPr>
+              <a:t/>
+            </a:r>
             <a:br>
               <a:rPr kumimoji="0" lang="ko-KR" altLang="ko-KR" sz="1200" b="0" i="0" u="none" strike="noStrike" cap="none" normalizeH="0" baseline="0" dirty="0">
                 <a:ln>
@@ -10914,6 +11030,20 @@
                 <a:cs typeface="Courier New" panose="02070309020205020404" pitchFamily="49" charset="0"/>
               </a:rPr>
             </a:br>
+            <a:r>
+              <a:rPr kumimoji="0" lang="ko-KR" altLang="ko-KR" sz="1200" b="0" i="0" u="none" strike="noStrike" cap="none" normalizeH="0" baseline="0" dirty="0">
+                <a:ln>
+                  <a:noFill/>
+                </a:ln>
+                <a:solidFill>
+                  <a:srgbClr val="CC7832"/>
+                </a:solidFill>
+                <a:effectLst/>
+                <a:latin typeface="Courier New" panose="02070309020205020404" pitchFamily="49" charset="0"/>
+                <a:cs typeface="Courier New" panose="02070309020205020404" pitchFamily="49" charset="0"/>
+              </a:rPr>
+              <a:t/>
+            </a:r>
             <a:br>
               <a:rPr kumimoji="0" lang="ko-KR" altLang="ko-KR" sz="1200" b="0" i="0" u="none" strike="noStrike" cap="none" normalizeH="0" baseline="0" dirty="0">
                 <a:ln>
@@ -11088,6 +11218,13 @@
   <p:clrMapOvr>
     <a:masterClrMapping/>
   </p:clrMapOvr>
+  <p:timing>
+    <p:tnLst>
+      <p:par>
+        <p:cTn id="1" dur="indefinite" restart="never" nodeType="tmRoot"/>
+      </p:par>
+    </p:tnLst>
+  </p:timing>
 </p:sld>
 </file>
 
@@ -11241,6 +11378,13 @@
   <p:clrMapOvr>
     <a:masterClrMapping/>
   </p:clrMapOvr>
+  <p:timing>
+    <p:tnLst>
+      <p:par>
+        <p:cTn id="1" dur="indefinite" restart="never" nodeType="tmRoot"/>
+      </p:par>
+    </p:tnLst>
+  </p:timing>
 </p:sld>
 </file>
 
@@ -11397,6 +11541,13 @@
   <p:clrMapOvr>
     <a:masterClrMapping/>
   </p:clrMapOvr>
+  <p:timing>
+    <p:tnLst>
+      <p:par>
+        <p:cTn id="1" dur="indefinite" restart="never" nodeType="tmRoot"/>
+      </p:par>
+    </p:tnLst>
+  </p:timing>
 </p:sld>
 </file>
 
@@ -11546,6 +11697,20 @@
               <a:buNone/>
               <a:tabLst/>
             </a:pPr>
+            <a:r>
+              <a:rPr kumimoji="0" lang="ko-KR" altLang="ko-KR" sz="1200" b="0" i="0" u="none" strike="noStrike" cap="none" normalizeH="0" baseline="0" dirty="0">
+                <a:ln>
+                  <a:noFill/>
+                </a:ln>
+                <a:solidFill>
+                  <a:srgbClr val="A9B7C6"/>
+                </a:solidFill>
+                <a:effectLst/>
+                <a:latin typeface="Courier New" panose="02070309020205020404" pitchFamily="49" charset="0"/>
+                <a:cs typeface="Courier New" panose="02070309020205020404" pitchFamily="49" charset="0"/>
+              </a:rPr>
+              <a:t/>
+            </a:r>
             <a:br>
               <a:rPr kumimoji="0" lang="ko-KR" altLang="ko-KR" sz="1200" b="0" i="0" u="none" strike="noStrike" cap="none" normalizeH="0" baseline="0" dirty="0">
                 <a:ln>
@@ -11686,6 +11851,20 @@
               </a:rPr>
               <a:t>pygame</a:t>
             </a:r>
+            <a:r>
+              <a:rPr kumimoji="0" lang="ko-KR" altLang="ko-KR" sz="1200" b="0" i="0" u="none" strike="noStrike" cap="none" normalizeH="0" baseline="0" dirty="0">
+                <a:ln>
+                  <a:noFill/>
+                </a:ln>
+                <a:solidFill>
+                  <a:srgbClr val="A9B7C6"/>
+                </a:solidFill>
+                <a:effectLst/>
+                <a:latin typeface="Courier New" panose="02070309020205020404" pitchFamily="49" charset="0"/>
+                <a:cs typeface="Courier New" panose="02070309020205020404" pitchFamily="49" charset="0"/>
+              </a:rPr>
+              <a:t/>
+            </a:r>
             <a:br>
               <a:rPr kumimoji="0" lang="ko-KR" altLang="ko-KR" sz="1200" b="0" i="0" u="none" strike="noStrike" cap="none" normalizeH="0" baseline="0" dirty="0">
                 <a:ln>
@@ -11741,6 +11920,20 @@
               </a:rPr>
               <a:t>random</a:t>
             </a:r>
+            <a:r>
+              <a:rPr kumimoji="0" lang="ko-KR" altLang="ko-KR" sz="1200" b="0" i="0" u="none" strike="noStrike" cap="none" normalizeH="0" baseline="0" dirty="0">
+                <a:ln>
+                  <a:noFill/>
+                </a:ln>
+                <a:solidFill>
+                  <a:srgbClr val="A9B7C6"/>
+                </a:solidFill>
+                <a:effectLst/>
+                <a:latin typeface="Courier New" panose="02070309020205020404" pitchFamily="49" charset="0"/>
+                <a:cs typeface="Courier New" panose="02070309020205020404" pitchFamily="49" charset="0"/>
+              </a:rPr>
+              <a:t/>
+            </a:r>
             <a:br>
               <a:rPr kumimoji="0" lang="ko-KR" altLang="ko-KR" sz="1200" b="0" i="0" u="none" strike="noStrike" cap="none" normalizeH="0" baseline="0" dirty="0">
                 <a:ln>
@@ -11754,6 +11947,20 @@
                 <a:cs typeface="Courier New" panose="02070309020205020404" pitchFamily="49" charset="0"/>
               </a:rPr>
             </a:br>
+            <a:r>
+              <a:rPr kumimoji="0" lang="ko-KR" altLang="ko-KR" sz="1200" b="0" i="0" u="none" strike="noStrike" cap="none" normalizeH="0" baseline="0" dirty="0">
+                <a:ln>
+                  <a:noFill/>
+                </a:ln>
+                <a:solidFill>
+                  <a:srgbClr val="A9B7C6"/>
+                </a:solidFill>
+                <a:effectLst/>
+                <a:latin typeface="Courier New" panose="02070309020205020404" pitchFamily="49" charset="0"/>
+                <a:cs typeface="Courier New" panose="02070309020205020404" pitchFamily="49" charset="0"/>
+              </a:rPr>
+              <a:t/>
+            </a:r>
             <a:br>
               <a:rPr kumimoji="0" lang="ko-KR" altLang="ko-KR" sz="1200" b="0" i="0" u="none" strike="noStrike" cap="none" normalizeH="0" baseline="0" dirty="0">
                 <a:ln>
@@ -12036,7 +12243,7 @@
                 <a:cs typeface="Courier New" panose="02070309020205020404" pitchFamily="49" charset="0"/>
               </a:rPr>
             </a:br>
-            <a:br>
+            <a:r>
               <a:rPr kumimoji="0" lang="ko-KR" altLang="ko-KR" sz="1200" b="0" i="0" u="none" strike="noStrike" cap="none" normalizeH="0" baseline="0" dirty="0">
                 <a:ln>
                   <a:noFill/>
@@ -12049,7 +12256,8 @@
                 <a:ea typeface="맑은 고딕" panose="020B0503020000020004" pitchFamily="50" charset="-127"/>
                 <a:cs typeface="Courier New" panose="02070309020205020404" pitchFamily="49" charset="0"/>
               </a:rPr>
-            </a:br>
+              <a:t/>
+            </a:r>
             <a:br>
               <a:rPr kumimoji="0" lang="ko-KR" altLang="ko-KR" sz="1200" b="0" i="0" u="none" strike="noStrike" cap="none" normalizeH="0" baseline="0" dirty="0">
                 <a:ln>
@@ -12065,6 +12273,35 @@
               </a:rPr>
             </a:br>
             <a:r>
+              <a:rPr kumimoji="0" lang="ko-KR" altLang="ko-KR" sz="1200" b="0" i="0" u="none" strike="noStrike" cap="none" normalizeH="0" baseline="0" dirty="0">
+                <a:ln>
+                  <a:noFill/>
+                </a:ln>
+                <a:solidFill>
+                  <a:srgbClr val="808080"/>
+                </a:solidFill>
+                <a:effectLst/>
+                <a:latin typeface="맑은 고딕" panose="020B0503020000020004" pitchFamily="50" charset="-127"/>
+                <a:ea typeface="맑은 고딕" panose="020B0503020000020004" pitchFamily="50" charset="-127"/>
+                <a:cs typeface="Courier New" panose="02070309020205020404" pitchFamily="49" charset="0"/>
+              </a:rPr>
+              <a:t/>
+            </a:r>
+            <a:br>
+              <a:rPr kumimoji="0" lang="ko-KR" altLang="ko-KR" sz="1200" b="0" i="0" u="none" strike="noStrike" cap="none" normalizeH="0" baseline="0" dirty="0">
+                <a:ln>
+                  <a:noFill/>
+                </a:ln>
+                <a:solidFill>
+                  <a:srgbClr val="808080"/>
+                </a:solidFill>
+                <a:effectLst/>
+                <a:latin typeface="맑은 고딕" panose="020B0503020000020004" pitchFamily="50" charset="-127"/>
+                <a:ea typeface="맑은 고딕" panose="020B0503020000020004" pitchFamily="50" charset="-127"/>
+                <a:cs typeface="Courier New" panose="02070309020205020404" pitchFamily="49" charset="0"/>
+              </a:rPr>
+            </a:br>
+            <a:r>
               <a:rPr kumimoji="0" lang="ko-KR" altLang="ko-KR" sz="1200" b="0" i="0" u="none" strike="noStrike" cap="none" normalizeH="0" baseline="0" dirty="0" err="1">
                 <a:ln>
                   <a:noFill/>
@@ -12426,6 +12663,20 @@
               </a:rPr>
               <a:t>x</a:t>
             </a:r>
+            <a:r>
+              <a:rPr kumimoji="0" lang="ko-KR" altLang="ko-KR" sz="1200" b="0" i="0" u="none" strike="noStrike" cap="none" normalizeH="0" baseline="0" dirty="0">
+                <a:ln>
+                  <a:noFill/>
+                </a:ln>
+                <a:solidFill>
+                  <a:srgbClr val="A9B7C6"/>
+                </a:solidFill>
+                <a:effectLst/>
+                <a:latin typeface="Courier New" panose="02070309020205020404" pitchFamily="49" charset="0"/>
+                <a:cs typeface="Courier New" panose="02070309020205020404" pitchFamily="49" charset="0"/>
+              </a:rPr>
+              <a:t/>
+            </a:r>
             <a:br>
               <a:rPr kumimoji="0" lang="ko-KR" altLang="ko-KR" sz="1200" b="0" i="0" u="none" strike="noStrike" cap="none" normalizeH="0" baseline="0" dirty="0">
                 <a:ln>
@@ -12509,6 +12760,20 @@
               </a:rPr>
               <a:t>y</a:t>
             </a:r>
+            <a:r>
+              <a:rPr kumimoji="0" lang="ko-KR" altLang="ko-KR" sz="1200" b="0" i="0" u="none" strike="noStrike" cap="none" normalizeH="0" baseline="0" dirty="0">
+                <a:ln>
+                  <a:noFill/>
+                </a:ln>
+                <a:solidFill>
+                  <a:srgbClr val="A9B7C6"/>
+                </a:solidFill>
+                <a:effectLst/>
+                <a:latin typeface="Courier New" panose="02070309020205020404" pitchFamily="49" charset="0"/>
+                <a:cs typeface="Courier New" panose="02070309020205020404" pitchFamily="49" charset="0"/>
+              </a:rPr>
+              <a:t/>
+            </a:r>
             <a:br>
               <a:rPr kumimoji="0" lang="ko-KR" altLang="ko-KR" sz="1200" b="0" i="0" u="none" strike="noStrike" cap="none" normalizeH="0" baseline="0" dirty="0">
                 <a:ln>
@@ -12898,6 +13163,20 @@
               </a:rPr>
               <a:t>game</a:t>
             </a:r>
+            <a:r>
+              <a:rPr kumimoji="0" lang="ko-KR" altLang="ko-KR" sz="1200" b="0" i="0" u="none" strike="noStrike" cap="none" normalizeH="0" baseline="0" dirty="0">
+                <a:ln>
+                  <a:noFill/>
+                </a:ln>
+                <a:solidFill>
+                  <a:srgbClr val="A9B7C6"/>
+                </a:solidFill>
+                <a:effectLst/>
+                <a:latin typeface="Courier New" panose="02070309020205020404" pitchFamily="49" charset="0"/>
+                <a:cs typeface="Courier New" panose="02070309020205020404" pitchFamily="49" charset="0"/>
+              </a:rPr>
+              <a:t/>
+            </a:r>
             <a:br>
               <a:rPr kumimoji="0" lang="ko-KR" altLang="ko-KR" sz="1200" b="0" i="0" u="none" strike="noStrike" cap="none" normalizeH="0" baseline="0" dirty="0">
                 <a:ln>
@@ -12911,6 +13190,20 @@
                 <a:cs typeface="Courier New" panose="02070309020205020404" pitchFamily="49" charset="0"/>
               </a:rPr>
             </a:br>
+            <a:r>
+              <a:rPr kumimoji="0" lang="ko-KR" altLang="ko-KR" sz="1200" b="0" i="0" u="none" strike="noStrike" cap="none" normalizeH="0" baseline="0" dirty="0">
+                <a:ln>
+                  <a:noFill/>
+                </a:ln>
+                <a:solidFill>
+                  <a:srgbClr val="A9B7C6"/>
+                </a:solidFill>
+                <a:effectLst/>
+                <a:latin typeface="Courier New" panose="02070309020205020404" pitchFamily="49" charset="0"/>
+                <a:cs typeface="Courier New" panose="02070309020205020404" pitchFamily="49" charset="0"/>
+              </a:rPr>
+              <a:t/>
+            </a:r>
             <a:br>
               <a:rPr kumimoji="0" lang="ko-KR" altLang="ko-KR" sz="1200" b="0" i="0" u="none" strike="noStrike" cap="none" normalizeH="0" baseline="0" dirty="0">
                 <a:ln>
@@ -13119,6 +13412,20 @@
               </a:rPr>
               <a:t>.speed</a:t>
             </a:r>
+            <a:r>
+              <a:rPr kumimoji="0" lang="ko-KR" altLang="ko-KR" sz="1200" b="0" i="0" u="none" strike="noStrike" cap="none" normalizeH="0" baseline="0" dirty="0">
+                <a:ln>
+                  <a:noFill/>
+                </a:ln>
+                <a:solidFill>
+                  <a:srgbClr val="A9B7C6"/>
+                </a:solidFill>
+                <a:effectLst/>
+                <a:latin typeface="Courier New" panose="02070309020205020404" pitchFamily="49" charset="0"/>
+                <a:cs typeface="Courier New" panose="02070309020205020404" pitchFamily="49" charset="0"/>
+              </a:rPr>
+              <a:t/>
+            </a:r>
             <a:br>
               <a:rPr kumimoji="0" lang="ko-KR" altLang="ko-KR" sz="1200" b="0" i="0" u="none" strike="noStrike" cap="none" normalizeH="0" baseline="0" dirty="0">
                 <a:ln>
@@ -13132,6 +13439,20 @@
                 <a:cs typeface="Courier New" panose="02070309020205020404" pitchFamily="49" charset="0"/>
               </a:rPr>
             </a:br>
+            <a:r>
+              <a:rPr kumimoji="0" lang="ko-KR" altLang="ko-KR" sz="1200" b="0" i="0" u="none" strike="noStrike" cap="none" normalizeH="0" baseline="0" dirty="0">
+                <a:ln>
+                  <a:noFill/>
+                </a:ln>
+                <a:solidFill>
+                  <a:srgbClr val="A9B7C6"/>
+                </a:solidFill>
+                <a:effectLst/>
+                <a:latin typeface="Courier New" panose="02070309020205020404" pitchFamily="49" charset="0"/>
+                <a:cs typeface="Courier New" panose="02070309020205020404" pitchFamily="49" charset="0"/>
+              </a:rPr>
+              <a:t/>
+            </a:r>
             <a:br>
               <a:rPr kumimoji="0" lang="ko-KR" altLang="ko-KR" sz="1200" b="0" i="0" u="none" strike="noStrike" cap="none" normalizeH="0" baseline="0" dirty="0">
                 <a:ln>
@@ -13395,6 +13716,20 @@
                 <a:cs typeface="Courier New" panose="02070309020205020404" pitchFamily="49" charset="0"/>
               </a:rPr>
             </a:br>
+            <a:r>
+              <a:rPr kumimoji="0" lang="ko-KR" altLang="ko-KR" sz="1200" b="0" i="0" u="none" strike="noStrike" cap="none" normalizeH="0" baseline="0" dirty="0">
+                <a:ln>
+                  <a:noFill/>
+                </a:ln>
+                <a:solidFill>
+                  <a:srgbClr val="6897BB"/>
+                </a:solidFill>
+                <a:effectLst/>
+                <a:latin typeface="Courier New" panose="02070309020205020404" pitchFamily="49" charset="0"/>
+                <a:cs typeface="Courier New" panose="02070309020205020404" pitchFamily="49" charset="0"/>
+              </a:rPr>
+              <a:t/>
+            </a:r>
             <a:br>
               <a:rPr kumimoji="0" lang="ko-KR" altLang="ko-KR" sz="1200" b="0" i="0" u="none" strike="noStrike" cap="none" normalizeH="0" baseline="0" dirty="0">
                 <a:ln>
@@ -14045,6 +14380,13 @@
   <p:clrMapOvr>
     <a:masterClrMapping/>
   </p:clrMapOvr>
+  <p:timing>
+    <p:tnLst>
+      <p:par>
+        <p:cTn id="1" dur="indefinite" restart="never" nodeType="tmRoot"/>
+      </p:par>
+    </p:tnLst>
+  </p:timing>
 </p:sld>
 </file>
 
@@ -14970,6 +15312,20 @@
               </a:rPr>
               <a:t>True</a:t>
             </a:r>
+            <a:r>
+              <a:rPr kumimoji="0" lang="ko-KR" altLang="ko-KR" sz="1200" b="0" i="0" u="none" strike="noStrike" cap="none" normalizeH="0" baseline="0" dirty="0">
+                <a:ln>
+                  <a:noFill/>
+                </a:ln>
+                <a:solidFill>
+                  <a:srgbClr val="CC7832"/>
+                </a:solidFill>
+                <a:effectLst/>
+                <a:latin typeface="Courier New" panose="02070309020205020404" pitchFamily="49" charset="0"/>
+                <a:cs typeface="Courier New" panose="02070309020205020404" pitchFamily="49" charset="0"/>
+              </a:rPr>
+              <a:t/>
+            </a:r>
             <a:br>
               <a:rPr kumimoji="0" lang="ko-KR" altLang="ko-KR" sz="1200" b="0" i="0" u="none" strike="noStrike" cap="none" normalizeH="0" baseline="0" dirty="0">
                 <a:ln>
@@ -15052,6 +15408,20 @@
                 <a:cs typeface="Courier New" panose="02070309020205020404" pitchFamily="49" charset="0"/>
               </a:rPr>
             </a:br>
+            <a:r>
+              <a:rPr kumimoji="0" lang="ko-KR" altLang="ko-KR" sz="1200" b="0" i="0" u="none" strike="noStrike" cap="none" normalizeH="0" baseline="0" dirty="0">
+                <a:ln>
+                  <a:noFill/>
+                </a:ln>
+                <a:solidFill>
+                  <a:srgbClr val="A9B7C6"/>
+                </a:solidFill>
+                <a:effectLst/>
+                <a:latin typeface="Courier New" panose="02070309020205020404" pitchFamily="49" charset="0"/>
+                <a:cs typeface="Courier New" panose="02070309020205020404" pitchFamily="49" charset="0"/>
+              </a:rPr>
+              <a:t/>
+            </a:r>
             <a:br>
               <a:rPr kumimoji="0" lang="ko-KR" altLang="ko-KR" sz="1200" b="0" i="0" u="none" strike="noStrike" cap="none" normalizeH="0" baseline="0" dirty="0">
                 <a:ln>
@@ -15632,6 +16002,20 @@
                 <a:cs typeface="Courier New" panose="02070309020205020404" pitchFamily="49" charset="0"/>
               </a:rPr>
             </a:br>
+            <a:r>
+              <a:rPr kumimoji="0" lang="ko-KR" altLang="ko-KR" sz="1200" b="0" i="0" u="none" strike="noStrike" cap="none" normalizeH="0" baseline="0" dirty="0">
+                <a:ln>
+                  <a:noFill/>
+                </a:ln>
+                <a:solidFill>
+                  <a:srgbClr val="A9B7C6"/>
+                </a:solidFill>
+                <a:effectLst/>
+                <a:latin typeface="Courier New" panose="02070309020205020404" pitchFamily="49" charset="0"/>
+                <a:cs typeface="Courier New" panose="02070309020205020404" pitchFamily="49" charset="0"/>
+              </a:rPr>
+              <a:t/>
+            </a:r>
             <a:br>
               <a:rPr kumimoji="0" lang="ko-KR" altLang="ko-KR" sz="1200" b="0" i="0" u="none" strike="noStrike" cap="none" normalizeH="0" baseline="0" dirty="0">
                 <a:ln>
@@ -16076,6 +16460,20 @@
               </a:rPr>
               <a:t>False</a:t>
             </a:r>
+            <a:r>
+              <a:rPr kumimoji="0" lang="ko-KR" altLang="ko-KR" sz="1200" b="0" i="0" u="none" strike="noStrike" cap="none" normalizeH="0" baseline="0" dirty="0">
+                <a:ln>
+                  <a:noFill/>
+                </a:ln>
+                <a:solidFill>
+                  <a:srgbClr val="CC7832"/>
+                </a:solidFill>
+                <a:effectLst/>
+                <a:latin typeface="Courier New" panose="02070309020205020404" pitchFamily="49" charset="0"/>
+                <a:cs typeface="Courier New" panose="02070309020205020404" pitchFamily="49" charset="0"/>
+              </a:rPr>
+              <a:t/>
+            </a:r>
             <a:br>
               <a:rPr kumimoji="0" lang="ko-KR" altLang="ko-KR" sz="1200" b="0" i="0" u="none" strike="noStrike" cap="none" normalizeH="0" baseline="0" dirty="0">
                 <a:ln>
@@ -16089,6 +16487,20 @@
                 <a:cs typeface="Courier New" panose="02070309020205020404" pitchFamily="49" charset="0"/>
               </a:rPr>
             </a:br>
+            <a:r>
+              <a:rPr kumimoji="0" lang="ko-KR" altLang="ko-KR" sz="1200" b="0" i="0" u="none" strike="noStrike" cap="none" normalizeH="0" baseline="0" dirty="0">
+                <a:ln>
+                  <a:noFill/>
+                </a:ln>
+                <a:solidFill>
+                  <a:srgbClr val="CC7832"/>
+                </a:solidFill>
+                <a:effectLst/>
+                <a:latin typeface="Courier New" panose="02070309020205020404" pitchFamily="49" charset="0"/>
+                <a:cs typeface="Courier New" panose="02070309020205020404" pitchFamily="49" charset="0"/>
+              </a:rPr>
+              <a:t/>
+            </a:r>
             <a:br>
               <a:rPr kumimoji="0" lang="ko-KR" altLang="ko-KR" sz="1200" b="0" i="0" u="none" strike="noStrike" cap="none" normalizeH="0" baseline="0" dirty="0">
                 <a:ln>
@@ -16922,6 +17334,20 @@
               </a:rPr>
               <a:t>rain</a:t>
             </a:r>
+            <a:r>
+              <a:rPr kumimoji="0" lang="ko-KR" altLang="ko-KR" sz="1200" b="0" i="0" u="none" strike="noStrike" cap="none" normalizeH="0" baseline="0" dirty="0">
+                <a:ln>
+                  <a:noFill/>
+                </a:ln>
+                <a:solidFill>
+                  <a:srgbClr val="A9B7C6"/>
+                </a:solidFill>
+                <a:effectLst/>
+                <a:latin typeface="Courier New" panose="02070309020205020404" pitchFamily="49" charset="0"/>
+                <a:cs typeface="Courier New" panose="02070309020205020404" pitchFamily="49" charset="0"/>
+              </a:rPr>
+              <a:t/>
+            </a:r>
             <a:br>
               <a:rPr kumimoji="0" lang="ko-KR" altLang="ko-KR" sz="1200" b="0" i="0" u="none" strike="noStrike" cap="none" normalizeH="0" baseline="0" dirty="0">
                 <a:ln>
@@ -16935,6 +17361,20 @@
                 <a:cs typeface="Courier New" panose="02070309020205020404" pitchFamily="49" charset="0"/>
               </a:rPr>
             </a:br>
+            <a:r>
+              <a:rPr kumimoji="0" lang="ko-KR" altLang="ko-KR" sz="1200" b="0" i="0" u="none" strike="noStrike" cap="none" normalizeH="0" baseline="0" dirty="0">
+                <a:ln>
+                  <a:noFill/>
+                </a:ln>
+                <a:solidFill>
+                  <a:srgbClr val="A9B7C6"/>
+                </a:solidFill>
+                <a:effectLst/>
+                <a:latin typeface="Courier New" panose="02070309020205020404" pitchFamily="49" charset="0"/>
+                <a:cs typeface="Courier New" panose="02070309020205020404" pitchFamily="49" charset="0"/>
+              </a:rPr>
+              <a:t/>
+            </a:r>
             <a:br>
               <a:rPr kumimoji="0" lang="ko-KR" altLang="ko-KR" sz="1200" b="0" i="0" u="none" strike="noStrike" cap="none" normalizeH="0" baseline="0" dirty="0">
                 <a:ln>
@@ -17581,6 +18021,13 @@
   <p:clrMapOvr>
     <a:masterClrMapping/>
   </p:clrMapOvr>
+  <p:timing>
+    <p:tnLst>
+      <p:par>
+        <p:cTn id="1" dur="indefinite" restart="never" nodeType="tmRoot"/>
+      </p:par>
+    </p:tnLst>
+  </p:timing>
 </p:sld>
 </file>
 
@@ -17820,6 +18267,20 @@
               </a:rPr>
               <a:t>pygame</a:t>
             </a:r>
+            <a:r>
+              <a:rPr kumimoji="0" lang="ko-KR" altLang="ko-KR" sz="1200" b="0" i="0" u="none" strike="noStrike" cap="none" normalizeH="0" baseline="0" dirty="0">
+                <a:ln>
+                  <a:noFill/>
+                </a:ln>
+                <a:solidFill>
+                  <a:srgbClr val="A9B7C6"/>
+                </a:solidFill>
+                <a:effectLst/>
+                <a:latin typeface="Courier New" panose="02070309020205020404" pitchFamily="49" charset="0"/>
+                <a:cs typeface="Courier New" panose="02070309020205020404" pitchFamily="49" charset="0"/>
+              </a:rPr>
+              <a:t/>
+            </a:r>
             <a:br>
               <a:rPr kumimoji="0" lang="ko-KR" altLang="ko-KR" sz="1200" b="0" i="0" u="none" strike="noStrike" cap="none" normalizeH="0" baseline="0" dirty="0">
                 <a:ln>
@@ -17875,6 +18336,20 @@
               </a:rPr>
               <a:t>sys</a:t>
             </a:r>
+            <a:r>
+              <a:rPr kumimoji="0" lang="ko-KR" altLang="ko-KR" sz="1200" b="0" i="0" u="none" strike="noStrike" cap="none" normalizeH="0" baseline="0" dirty="0">
+                <a:ln>
+                  <a:noFill/>
+                </a:ln>
+                <a:solidFill>
+                  <a:srgbClr val="A9B7C6"/>
+                </a:solidFill>
+                <a:effectLst/>
+                <a:latin typeface="Courier New" panose="02070309020205020404" pitchFamily="49" charset="0"/>
+                <a:cs typeface="Courier New" panose="02070309020205020404" pitchFamily="49" charset="0"/>
+              </a:rPr>
+              <a:t/>
+            </a:r>
             <a:br>
               <a:rPr kumimoji="0" lang="ko-KR" altLang="ko-KR" sz="1200" b="0" i="0" u="none" strike="noStrike" cap="none" normalizeH="0" baseline="0" dirty="0">
                 <a:ln>
@@ -17930,6 +18405,20 @@
               </a:rPr>
               <a:t>random</a:t>
             </a:r>
+            <a:r>
+              <a:rPr kumimoji="0" lang="ko-KR" altLang="ko-KR" sz="1200" b="0" i="0" u="none" strike="noStrike" cap="none" normalizeH="0" baseline="0" dirty="0">
+                <a:ln>
+                  <a:noFill/>
+                </a:ln>
+                <a:solidFill>
+                  <a:srgbClr val="A9B7C6"/>
+                </a:solidFill>
+                <a:effectLst/>
+                <a:latin typeface="Courier New" panose="02070309020205020404" pitchFamily="49" charset="0"/>
+                <a:cs typeface="Courier New" panose="02070309020205020404" pitchFamily="49" charset="0"/>
+              </a:rPr>
+              <a:t/>
+            </a:r>
             <a:br>
               <a:rPr kumimoji="0" lang="ko-KR" altLang="ko-KR" sz="1200" b="0" i="0" u="none" strike="noStrike" cap="none" normalizeH="0" baseline="0" dirty="0">
                 <a:ln>
@@ -17943,6 +18432,20 @@
                 <a:cs typeface="Courier New" panose="02070309020205020404" pitchFamily="49" charset="0"/>
               </a:rPr>
             </a:br>
+            <a:r>
+              <a:rPr kumimoji="0" lang="ko-KR" altLang="ko-KR" sz="1200" b="0" i="0" u="none" strike="noStrike" cap="none" normalizeH="0" baseline="0" dirty="0">
+                <a:ln>
+                  <a:noFill/>
+                </a:ln>
+                <a:solidFill>
+                  <a:srgbClr val="A9B7C6"/>
+                </a:solidFill>
+                <a:effectLst/>
+                <a:latin typeface="Courier New" panose="02070309020205020404" pitchFamily="49" charset="0"/>
+                <a:cs typeface="Courier New" panose="02070309020205020404" pitchFamily="49" charset="0"/>
+              </a:rPr>
+              <a:t/>
+            </a:r>
             <a:br>
               <a:rPr kumimoji="0" lang="ko-KR" altLang="ko-KR" sz="1200" b="0" i="0" u="none" strike="noStrike" cap="none" normalizeH="0" baseline="0" dirty="0">
                 <a:ln>
@@ -18110,6 +18613,20 @@
                 <a:cs typeface="Courier New" panose="02070309020205020404" pitchFamily="49" charset="0"/>
               </a:rPr>
             </a:br>
+            <a:r>
+              <a:rPr kumimoji="0" lang="ko-KR" altLang="ko-KR" sz="1200" b="0" i="0" u="none" strike="noStrike" cap="none" normalizeH="0" baseline="0" dirty="0">
+                <a:ln>
+                  <a:noFill/>
+                </a:ln>
+                <a:solidFill>
+                  <a:srgbClr val="A9B7C6"/>
+                </a:solidFill>
+                <a:effectLst/>
+                <a:latin typeface="Courier New" panose="02070309020205020404" pitchFamily="49" charset="0"/>
+                <a:cs typeface="Courier New" panose="02070309020205020404" pitchFamily="49" charset="0"/>
+              </a:rPr>
+              <a:t/>
+            </a:r>
             <a:br>
               <a:rPr kumimoji="0" lang="ko-KR" altLang="ko-KR" sz="1200" b="0" i="0" u="none" strike="noStrike" cap="none" normalizeH="0" baseline="0" dirty="0">
                 <a:ln>
@@ -18289,6 +18806,20 @@
                 <a:cs typeface="Courier New" panose="02070309020205020404" pitchFamily="49" charset="0"/>
               </a:rPr>
             </a:br>
+            <a:r>
+              <a:rPr kumimoji="0" lang="ko-KR" altLang="ko-KR" sz="1200" b="0" i="0" u="none" strike="noStrike" cap="none" normalizeH="0" baseline="0" dirty="0">
+                <a:ln>
+                  <a:noFill/>
+                </a:ln>
+                <a:solidFill>
+                  <a:srgbClr val="6897BB"/>
+                </a:solidFill>
+                <a:effectLst/>
+                <a:latin typeface="Courier New" panose="02070309020205020404" pitchFamily="49" charset="0"/>
+                <a:cs typeface="Courier New" panose="02070309020205020404" pitchFamily="49" charset="0"/>
+              </a:rPr>
+              <a:t/>
+            </a:r>
             <a:br>
               <a:rPr kumimoji="0" lang="ko-KR" altLang="ko-KR" sz="1200" b="0" i="0" u="none" strike="noStrike" cap="none" normalizeH="0" baseline="0" dirty="0">
                 <a:ln>
@@ -18427,6 +18958,20 @@
                 <a:cs typeface="Courier New" panose="02070309020205020404" pitchFamily="49" charset="0"/>
               </a:rPr>
             </a:br>
+            <a:r>
+              <a:rPr kumimoji="0" lang="ko-KR" altLang="ko-KR" sz="1200" b="0" i="0" u="none" strike="noStrike" cap="none" normalizeH="0" baseline="0" dirty="0">
+                <a:ln>
+                  <a:noFill/>
+                </a:ln>
+                <a:solidFill>
+                  <a:srgbClr val="A9B7C6"/>
+                </a:solidFill>
+                <a:effectLst/>
+                <a:latin typeface="Courier New" panose="02070309020205020404" pitchFamily="49" charset="0"/>
+                <a:cs typeface="Courier New" panose="02070309020205020404" pitchFamily="49" charset="0"/>
+              </a:rPr>
+              <a:t/>
+            </a:r>
             <a:br>
               <a:rPr kumimoji="0" lang="ko-KR" altLang="ko-KR" sz="1200" b="0" i="0" u="none" strike="noStrike" cap="none" normalizeH="0" baseline="0" dirty="0">
                 <a:ln>
@@ -18509,6 +19054,20 @@
                 <a:cs typeface="Courier New" panose="02070309020205020404" pitchFamily="49" charset="0"/>
               </a:rPr>
             </a:br>
+            <a:r>
+              <a:rPr kumimoji="0" lang="ko-KR" altLang="ko-KR" sz="1200" b="0" i="0" u="none" strike="noStrike" cap="none" normalizeH="0" baseline="0" dirty="0">
+                <a:ln>
+                  <a:noFill/>
+                </a:ln>
+                <a:solidFill>
+                  <a:srgbClr val="A9B7C6"/>
+                </a:solidFill>
+                <a:effectLst/>
+                <a:latin typeface="Courier New" panose="02070309020205020404" pitchFamily="49" charset="0"/>
+                <a:cs typeface="Courier New" panose="02070309020205020404" pitchFamily="49" charset="0"/>
+              </a:rPr>
+              <a:t/>
+            </a:r>
             <a:br>
               <a:rPr kumimoji="0" lang="ko-KR" altLang="ko-KR" sz="1200" b="0" i="0" u="none" strike="noStrike" cap="none" normalizeH="0" baseline="0" dirty="0">
                 <a:ln>
@@ -18564,6 +19123,20 @@
               </a:rPr>
               <a:t>True</a:t>
             </a:r>
+            <a:r>
+              <a:rPr kumimoji="0" lang="ko-KR" altLang="ko-KR" sz="1200" b="0" i="0" u="none" strike="noStrike" cap="none" normalizeH="0" baseline="0" dirty="0">
+                <a:ln>
+                  <a:noFill/>
+                </a:ln>
+                <a:solidFill>
+                  <a:srgbClr val="CC7832"/>
+                </a:solidFill>
+                <a:effectLst/>
+                <a:latin typeface="Courier New" panose="02070309020205020404" pitchFamily="49" charset="0"/>
+                <a:cs typeface="Courier New" panose="02070309020205020404" pitchFamily="49" charset="0"/>
+              </a:rPr>
+              <a:t/>
+            </a:r>
             <a:br>
               <a:rPr kumimoji="0" lang="ko-KR" altLang="ko-KR" sz="1200" b="0" i="0" u="none" strike="noStrike" cap="none" normalizeH="0" baseline="0" dirty="0">
                 <a:ln>
@@ -18577,6 +19150,20 @@
                 <a:cs typeface="Courier New" panose="02070309020205020404" pitchFamily="49" charset="0"/>
               </a:rPr>
             </a:br>
+            <a:r>
+              <a:rPr kumimoji="0" lang="ko-KR" altLang="ko-KR" sz="1200" b="0" i="0" u="none" strike="noStrike" cap="none" normalizeH="0" baseline="0" dirty="0">
+                <a:ln>
+                  <a:noFill/>
+                </a:ln>
+                <a:solidFill>
+                  <a:srgbClr val="CC7832"/>
+                </a:solidFill>
+                <a:effectLst/>
+                <a:latin typeface="Courier New" panose="02070309020205020404" pitchFamily="49" charset="0"/>
+                <a:cs typeface="Courier New" panose="02070309020205020404" pitchFamily="49" charset="0"/>
+              </a:rPr>
+              <a:t/>
+            </a:r>
             <a:br>
               <a:rPr kumimoji="0" lang="ko-KR" altLang="ko-KR" sz="1200" b="0" i="0" u="none" strike="noStrike" cap="none" normalizeH="0" baseline="0" dirty="0">
                 <a:ln>
@@ -18924,6 +19511,20 @@
               </a:rPr>
               <a:t>x</a:t>
             </a:r>
+            <a:r>
+              <a:rPr kumimoji="0" lang="ko-KR" altLang="ko-KR" sz="1200" b="0" i="0" u="none" strike="noStrike" cap="none" normalizeH="0" baseline="0" dirty="0">
+                <a:ln>
+                  <a:noFill/>
+                </a:ln>
+                <a:solidFill>
+                  <a:srgbClr val="A9B7C6"/>
+                </a:solidFill>
+                <a:effectLst/>
+                <a:latin typeface="Courier New" panose="02070309020205020404" pitchFamily="49" charset="0"/>
+                <a:cs typeface="Courier New" panose="02070309020205020404" pitchFamily="49" charset="0"/>
+              </a:rPr>
+              <a:t/>
+            </a:r>
             <a:br>
               <a:rPr kumimoji="0" lang="ko-KR" altLang="ko-KR" sz="1200" b="0" i="0" u="none" strike="noStrike" cap="none" normalizeH="0" baseline="0" dirty="0">
                 <a:ln>
@@ -19007,6 +19608,20 @@
               </a:rPr>
               <a:t>y</a:t>
             </a:r>
+            <a:r>
+              <a:rPr kumimoji="0" lang="ko-KR" altLang="ko-KR" sz="1200" b="0" i="0" u="none" strike="noStrike" cap="none" normalizeH="0" baseline="0" dirty="0">
+                <a:ln>
+                  <a:noFill/>
+                </a:ln>
+                <a:solidFill>
+                  <a:srgbClr val="A9B7C6"/>
+                </a:solidFill>
+                <a:effectLst/>
+                <a:latin typeface="Courier New" panose="02070309020205020404" pitchFamily="49" charset="0"/>
+                <a:cs typeface="Courier New" panose="02070309020205020404" pitchFamily="49" charset="0"/>
+              </a:rPr>
+              <a:t/>
+            </a:r>
             <a:br>
               <a:rPr kumimoji="0" lang="ko-KR" altLang="ko-KR" sz="1200" b="0" i="0" u="none" strike="noStrike" cap="none" normalizeH="0" baseline="0" dirty="0">
                 <a:ln>
@@ -19326,6 +19941,20 @@
                 <a:cs typeface="Courier New" panose="02070309020205020404" pitchFamily="49" charset="0"/>
               </a:rPr>
             </a:br>
+            <a:r>
+              <a:rPr kumimoji="0" lang="ko-KR" altLang="ko-KR" sz="1200" b="0" i="0" u="none" strike="noStrike" cap="none" normalizeH="0" baseline="0" dirty="0">
+                <a:ln>
+                  <a:noFill/>
+                </a:ln>
+                <a:solidFill>
+                  <a:srgbClr val="A9B7C6"/>
+                </a:solidFill>
+                <a:effectLst/>
+                <a:latin typeface="Courier New" panose="02070309020205020404" pitchFamily="49" charset="0"/>
+                <a:cs typeface="Courier New" panose="02070309020205020404" pitchFamily="49" charset="0"/>
+              </a:rPr>
+              <a:t/>
+            </a:r>
             <a:br>
               <a:rPr kumimoji="0" lang="ko-KR" altLang="ko-KR" sz="1200" b="0" i="0" u="none" strike="noStrike" cap="none" normalizeH="0" baseline="0" dirty="0">
                 <a:ln>
@@ -19534,6 +20163,20 @@
               </a:rPr>
               <a:t>.speed</a:t>
             </a:r>
+            <a:r>
+              <a:rPr kumimoji="0" lang="ko-KR" altLang="ko-KR" sz="1200" b="0" i="0" u="none" strike="noStrike" cap="none" normalizeH="0" baseline="0" dirty="0">
+                <a:ln>
+                  <a:noFill/>
+                </a:ln>
+                <a:solidFill>
+                  <a:srgbClr val="A9B7C6"/>
+                </a:solidFill>
+                <a:effectLst/>
+                <a:latin typeface="Courier New" panose="02070309020205020404" pitchFamily="49" charset="0"/>
+                <a:cs typeface="Courier New" panose="02070309020205020404" pitchFamily="49" charset="0"/>
+              </a:rPr>
+              <a:t/>
+            </a:r>
             <a:br>
               <a:rPr kumimoji="0" lang="ko-KR" altLang="ko-KR" sz="1200" b="0" i="0" u="none" strike="noStrike" cap="none" normalizeH="0" baseline="0" dirty="0">
                 <a:ln>
@@ -19547,6 +20190,20 @@
                 <a:cs typeface="Courier New" panose="02070309020205020404" pitchFamily="49" charset="0"/>
               </a:rPr>
             </a:br>
+            <a:r>
+              <a:rPr kumimoji="0" lang="ko-KR" altLang="ko-KR" sz="1200" b="0" i="0" u="none" strike="noStrike" cap="none" normalizeH="0" baseline="0" dirty="0">
+                <a:ln>
+                  <a:noFill/>
+                </a:ln>
+                <a:solidFill>
+                  <a:srgbClr val="A9B7C6"/>
+                </a:solidFill>
+                <a:effectLst/>
+                <a:latin typeface="Courier New" panose="02070309020205020404" pitchFamily="49" charset="0"/>
+                <a:cs typeface="Courier New" panose="02070309020205020404" pitchFamily="49" charset="0"/>
+              </a:rPr>
+              <a:t/>
+            </a:r>
             <a:br>
               <a:rPr kumimoji="0" lang="ko-KR" altLang="ko-KR" sz="1200" b="0" i="0" u="none" strike="noStrike" cap="none" normalizeH="0" baseline="0" dirty="0">
                 <a:ln>
@@ -19782,6 +20439,20 @@
                 <a:cs typeface="Courier New" panose="02070309020205020404" pitchFamily="49" charset="0"/>
               </a:rPr>
             </a:br>
+            <a:r>
+              <a:rPr kumimoji="0" lang="ko-KR" altLang="ko-KR" sz="1200" b="0" i="0" u="none" strike="noStrike" cap="none" normalizeH="0" baseline="0" dirty="0">
+                <a:ln>
+                  <a:noFill/>
+                </a:ln>
+                <a:solidFill>
+                  <a:srgbClr val="6897BB"/>
+                </a:solidFill>
+                <a:effectLst/>
+                <a:latin typeface="Courier New" panose="02070309020205020404" pitchFamily="49" charset="0"/>
+                <a:cs typeface="Courier New" panose="02070309020205020404" pitchFamily="49" charset="0"/>
+              </a:rPr>
+              <a:t/>
+            </a:r>
             <a:br>
               <a:rPr kumimoji="0" lang="ko-KR" altLang="ko-KR" sz="1200" b="0" i="0" u="none" strike="noStrike" cap="none" normalizeH="0" baseline="0" dirty="0">
                 <a:ln>
@@ -20391,6 +21062,13 @@
   <p:clrMapOvr>
     <a:masterClrMapping/>
   </p:clrMapOvr>
+  <p:timing>
+    <p:tnLst>
+      <p:par>
+        <p:cTn id="1" dur="indefinite" restart="never" nodeType="tmRoot"/>
+      </p:par>
+    </p:tnLst>
+  </p:timing>
 </p:sld>
 </file>
 
@@ -20537,6 +21215,20 @@
               <a:buNone/>
               <a:tabLst/>
             </a:pPr>
+            <a:r>
+              <a:rPr kumimoji="0" lang="ko-KR" altLang="ko-KR" sz="1200" b="0" i="0" u="none" strike="noStrike" cap="none" normalizeH="0" baseline="0">
+                <a:ln>
+                  <a:noFill/>
+                </a:ln>
+                <a:solidFill>
+                  <a:srgbClr val="A9B7C6"/>
+                </a:solidFill>
+                <a:effectLst/>
+                <a:latin typeface="Courier New" panose="02070309020205020404" pitchFamily="49" charset="0"/>
+                <a:cs typeface="Courier New" panose="02070309020205020404" pitchFamily="49" charset="0"/>
+              </a:rPr>
+              <a:t/>
+            </a:r>
             <a:br>
               <a:rPr kumimoji="0" lang="ko-KR" altLang="ko-KR" sz="1200" b="0" i="0" u="none" strike="noStrike" cap="none" normalizeH="0" baseline="0">
                 <a:ln>
@@ -20813,6 +21505,20 @@
                 <a:cs typeface="Courier New" panose="02070309020205020404" pitchFamily="49" charset="0"/>
               </a:rPr>
             </a:br>
+            <a:r>
+              <a:rPr kumimoji="0" lang="ko-KR" altLang="ko-KR" sz="1200" b="0" i="0" u="none" strike="noStrike" cap="none" normalizeH="0" baseline="0">
+                <a:ln>
+                  <a:noFill/>
+                </a:ln>
+                <a:solidFill>
+                  <a:srgbClr val="A9B7C6"/>
+                </a:solidFill>
+                <a:effectLst/>
+                <a:latin typeface="Courier New" panose="02070309020205020404" pitchFamily="49" charset="0"/>
+                <a:cs typeface="Courier New" panose="02070309020205020404" pitchFamily="49" charset="0"/>
+              </a:rPr>
+              <a:t/>
+            </a:r>
             <a:br>
               <a:rPr kumimoji="0" lang="ko-KR" altLang="ko-KR" sz="1200" b="0" i="0" u="none" strike="noStrike" cap="none" normalizeH="0" baseline="0">
                 <a:ln>
@@ -20867,6 +21573,20 @@
                 <a:cs typeface="Courier New" panose="02070309020205020404" pitchFamily="49" charset="0"/>
               </a:rPr>
             </a:br>
+            <a:r>
+              <a:rPr kumimoji="0" lang="ko-KR" altLang="ko-KR" sz="1200" b="0" i="0" u="none" strike="noStrike" cap="none" normalizeH="0" baseline="0">
+                <a:ln>
+                  <a:noFill/>
+                </a:ln>
+                <a:solidFill>
+                  <a:srgbClr val="A9B7C6"/>
+                </a:solidFill>
+                <a:effectLst/>
+                <a:latin typeface="Courier New" panose="02070309020205020404" pitchFamily="49" charset="0"/>
+                <a:cs typeface="Courier New" panose="02070309020205020404" pitchFamily="49" charset="0"/>
+              </a:rPr>
+              <a:t/>
+            </a:r>
             <a:br>
               <a:rPr kumimoji="0" lang="ko-KR" altLang="ko-KR" sz="1200" b="0" i="0" u="none" strike="noStrike" cap="none" normalizeH="0" baseline="0">
                 <a:ln>
@@ -21860,6 +22580,20 @@
                 <a:cs typeface="Courier New" panose="02070309020205020404" pitchFamily="49" charset="0"/>
               </a:rPr>
             </a:br>
+            <a:r>
+              <a:rPr kumimoji="0" lang="ko-KR" altLang="ko-KR" sz="1200" b="0" i="0" u="none" strike="noStrike" cap="none" normalizeH="0" baseline="0">
+                <a:ln>
+                  <a:noFill/>
+                </a:ln>
+                <a:solidFill>
+                  <a:srgbClr val="A9B7C6"/>
+                </a:solidFill>
+                <a:effectLst/>
+                <a:latin typeface="Courier New" panose="02070309020205020404" pitchFamily="49" charset="0"/>
+                <a:cs typeface="Courier New" panose="02070309020205020404" pitchFamily="49" charset="0"/>
+              </a:rPr>
+              <a:t/>
+            </a:r>
             <a:br>
               <a:rPr kumimoji="0" lang="ko-KR" altLang="ko-KR" sz="1200" b="0" i="0" u="none" strike="noStrike" cap="none" normalizeH="0" baseline="0">
                 <a:ln>

--- a/textbook/파이썬5-1교시.pptx
+++ b/textbook/파이썬5-1교시.pptx
@@ -370,7 +370,7 @@
           <a:p>
             <a:fld id="{3575F28B-E03B-4F00-AA56-A8AF97DAF43F}" type="datetimeFigureOut">
               <a:rPr lang="ko-KR" altLang="en-US" smtClean="0"/>
-              <a:t>2021-07-03</a:t>
+              <a:t>2021-07-07</a:t>
             </a:fld>
             <a:endParaRPr lang="ko-KR" altLang="en-US"/>
           </a:p>
@@ -1510,7 +1510,7 @@
           <a:p>
             <a:fld id="{3575F28B-E03B-4F00-AA56-A8AF97DAF43F}" type="datetimeFigureOut">
               <a:rPr lang="ko-KR" altLang="en-US" smtClean="0"/>
-              <a:t>2021-07-03</a:t>
+              <a:t>2021-07-07</a:t>
             </a:fld>
             <a:endParaRPr lang="ko-KR" altLang="en-US"/>
           </a:p>
@@ -2145,7 +2145,7 @@
           <a:p>
             <a:fld id="{3575F28B-E03B-4F00-AA56-A8AF97DAF43F}" type="datetimeFigureOut">
               <a:rPr lang="ko-KR" altLang="en-US" smtClean="0"/>
-              <a:t>2021-07-03</a:t>
+              <a:t>2021-07-07</a:t>
             </a:fld>
             <a:endParaRPr lang="ko-KR" altLang="en-US"/>
           </a:p>
@@ -2297,7 +2297,7 @@
           <a:p>
             <a:fld id="{3575F28B-E03B-4F00-AA56-A8AF97DAF43F}" type="datetimeFigureOut">
               <a:rPr lang="ko-KR" altLang="en-US" smtClean="0"/>
-              <a:t>2021-07-03</a:t>
+              <a:t>2021-07-07</a:t>
             </a:fld>
             <a:endParaRPr lang="ko-KR" altLang="en-US"/>
           </a:p>
@@ -3426,7 +3426,7 @@
           <a:p>
             <a:fld id="{3575F28B-E03B-4F00-AA56-A8AF97DAF43F}" type="datetimeFigureOut">
               <a:rPr lang="ko-KR" altLang="en-US" smtClean="0"/>
-              <a:t>2021-07-03</a:t>
+              <a:t>2021-07-07</a:t>
             </a:fld>
             <a:endParaRPr lang="ko-KR" altLang="en-US"/>
           </a:p>
@@ -4539,7 +4539,7 @@
           <a:p>
             <a:fld id="{3575F28B-E03B-4F00-AA56-A8AF97DAF43F}" type="datetimeFigureOut">
               <a:rPr lang="ko-KR" altLang="en-US" smtClean="0"/>
-              <a:t>2021-07-03</a:t>
+              <a:t>2021-07-07</a:t>
             </a:fld>
             <a:endParaRPr lang="ko-KR" altLang="en-US"/>
           </a:p>
@@ -5502,7 +5502,7 @@
           <a:p>
             <a:fld id="{3575F28B-E03B-4F00-AA56-A8AF97DAF43F}" type="datetimeFigureOut">
               <a:rPr lang="ko-KR" altLang="en-US" smtClean="0"/>
-              <a:t>2021-07-03</a:t>
+              <a:t>2021-07-07</a:t>
             </a:fld>
             <a:endParaRPr lang="ko-KR" altLang="en-US"/>
           </a:p>
@@ -6112,7 +6112,7 @@
           <a:p>
             <a:fld id="{3575F28B-E03B-4F00-AA56-A8AF97DAF43F}" type="datetimeFigureOut">
               <a:rPr lang="ko-KR" altLang="en-US" smtClean="0"/>
-              <a:t>2021-07-03</a:t>
+              <a:t>2021-07-07</a:t>
             </a:fld>
             <a:endParaRPr lang="ko-KR" altLang="en-US"/>
           </a:p>
@@ -6207,7 +6207,7 @@
           <a:p>
             <a:fld id="{3575F28B-E03B-4F00-AA56-A8AF97DAF43F}" type="datetimeFigureOut">
               <a:rPr lang="ko-KR" altLang="en-US" smtClean="0"/>
-              <a:t>2021-07-03</a:t>
+              <a:t>2021-07-07</a:t>
             </a:fld>
             <a:endParaRPr lang="ko-KR" altLang="en-US"/>
           </a:p>
@@ -6484,7 +6484,7 @@
           <a:p>
             <a:fld id="{3575F28B-E03B-4F00-AA56-A8AF97DAF43F}" type="datetimeFigureOut">
               <a:rPr lang="ko-KR" altLang="en-US" smtClean="0"/>
-              <a:t>2021-07-03</a:t>
+              <a:t>2021-07-07</a:t>
             </a:fld>
             <a:endParaRPr lang="ko-KR" altLang="en-US"/>
           </a:p>
@@ -7205,7 +7205,7 @@
           <a:p>
             <a:fld id="{3575F28B-E03B-4F00-AA56-A8AF97DAF43F}" type="datetimeFigureOut">
               <a:rPr lang="ko-KR" altLang="en-US" smtClean="0"/>
-              <a:t>2021-07-03</a:t>
+              <a:t>2021-07-07</a:t>
             </a:fld>
             <a:endParaRPr lang="ko-KR" altLang="en-US"/>
           </a:p>
@@ -7840,7 +7840,7 @@
           <a:p>
             <a:fld id="{3575F28B-E03B-4F00-AA56-A8AF97DAF43F}" type="datetimeFigureOut">
               <a:rPr lang="ko-KR" altLang="en-US" smtClean="0"/>
-              <a:t>2021-07-03</a:t>
+              <a:t>2021-07-07</a:t>
             </a:fld>
             <a:endParaRPr lang="ko-KR" altLang="en-US"/>
           </a:p>
@@ -8373,7 +8373,7 @@
     <mc:Choice Requires="p14">
       <p:transition/>
     </mc:Choice>
-    <mc:Fallback xmlns="" xmlns:c="http://schemas.openxmlformats.org/drawingml/2006/chart" xmlns:dgm="http://schemas.openxmlformats.org/drawingml/2006/diagram" xmlns:dsp="http://schemas.microsoft.com/office/drawing/2008/diagram">
+    <mc:Fallback xmlns:dsp="http://schemas.microsoft.com/office/drawing/2008/diagram" xmlns:dgm="http://schemas.openxmlformats.org/drawingml/2006/diagram" xmlns:c="http://schemas.openxmlformats.org/drawingml/2006/chart" xmlns="">
       <p:transition/>
     </mc:Fallback>
   </mc:AlternateContent>
@@ -8526,10 +8526,17 @@
     <mc:Choice Requires="p14">
       <p:transition/>
     </mc:Choice>
-    <mc:Fallback xmlns:dsp="http://schemas.microsoft.com/office/drawing/2008/diagram" xmlns:dgm="http://schemas.openxmlformats.org/drawingml/2006/diagram" xmlns:c="http://schemas.openxmlformats.org/drawingml/2006/chart" xmlns="">
+    <mc:Fallback xmlns="" xmlns:c="http://schemas.openxmlformats.org/drawingml/2006/chart" xmlns:dgm="http://schemas.openxmlformats.org/drawingml/2006/diagram" xmlns:dsp="http://schemas.microsoft.com/office/drawing/2008/diagram">
       <p:transition/>
     </mc:Fallback>
   </mc:AlternateContent>
+  <p:timing>
+    <p:tnLst>
+      <p:par>
+        <p:cTn id="1" dur="indefinite" restart="never" nodeType="tmRoot"/>
+      </p:par>
+    </p:tnLst>
+  </p:timing>
 </p:sld>
 </file>
 
@@ -8669,7 +8676,7 @@
     <mc:Choice Requires="p14">
       <p:transition/>
     </mc:Choice>
-    <mc:Fallback xmlns="" xmlns:c="http://schemas.openxmlformats.org/drawingml/2006/chart" xmlns:dgm="http://schemas.openxmlformats.org/drawingml/2006/diagram" xmlns:dsp="http://schemas.microsoft.com/office/drawing/2008/diagram">
+    <mc:Fallback xmlns:dsp="http://schemas.microsoft.com/office/drawing/2008/diagram" xmlns:dgm="http://schemas.openxmlformats.org/drawingml/2006/diagram" xmlns:c="http://schemas.openxmlformats.org/drawingml/2006/chart" xmlns="">
       <p:transition/>
     </mc:Fallback>
   </mc:AlternateContent>
@@ -9555,7 +9562,22 @@
               <a:t>        </a:t>
             </a:r>
             <a:r>
-              <a:rPr kumimoji="0" lang="ko-KR" altLang="ko-KR" sz="1200" b="0" i="0" u="none" strike="noStrike" cap="none" normalizeH="0" baseline="0" dirty="0" err="1">
+              <a:rPr kumimoji="0" lang="en-US" altLang="ko-KR" sz="1200" b="0" i="0" u="none" strike="noStrike" cap="none" normalizeH="0" baseline="0" dirty="0" smtClean="0">
+                <a:ln>
+                  <a:noFill/>
+                </a:ln>
+                <a:solidFill>
+                  <a:srgbClr val="808080"/>
+                </a:solidFill>
+                <a:effectLst/>
+                <a:latin typeface="맑은 고딕" panose="020B0503020000020004" pitchFamily="50" charset="-127"/>
+                <a:ea typeface="맑은 고딕" panose="020B0503020000020004" pitchFamily="50" charset="-127"/>
+                <a:cs typeface="Courier New" panose="02070309020205020404" pitchFamily="49" charset="0"/>
+              </a:rPr>
+              <a:t>      </a:t>
+            </a:r>
+            <a:r>
+              <a:rPr kumimoji="0" lang="ko-KR" altLang="ko-KR" sz="1200" b="0" i="0" u="none" strike="noStrike" cap="none" normalizeH="0" baseline="0" dirty="0" err="1" smtClean="0">
                 <a:ln>
                   <a:noFill/>
                 </a:ln>
@@ -9569,18 +9591,32 @@
               <a:t>Screen_y</a:t>
             </a:r>
             <a:r>
-              <a:rPr kumimoji="0" lang="ko-KR" altLang="ko-KR" sz="1200" b="0" i="0" u="none" strike="noStrike" cap="none" normalizeH="0" baseline="0" dirty="0">
-                <a:ln>
-                  <a:noFill/>
-                </a:ln>
-                <a:solidFill>
-                  <a:srgbClr val="A9B7C6"/>
-                </a:solidFill>
-                <a:effectLst/>
-                <a:latin typeface="Courier New" panose="02070309020205020404" pitchFamily="49" charset="0"/>
-                <a:cs typeface="Courier New" panose="02070309020205020404" pitchFamily="49" charset="0"/>
-              </a:rPr>
-              <a:t> = </a:t>
+              <a:rPr kumimoji="0" lang="ko-KR" altLang="ko-KR" sz="1200" b="0" i="0" u="none" strike="noStrike" cap="none" normalizeH="0" baseline="0" dirty="0" smtClean="0">
+                <a:ln>
+                  <a:noFill/>
+                </a:ln>
+                <a:solidFill>
+                  <a:srgbClr val="A9B7C6"/>
+                </a:solidFill>
+                <a:effectLst/>
+                <a:latin typeface="Courier New" panose="02070309020205020404" pitchFamily="49" charset="0"/>
+                <a:cs typeface="Courier New" panose="02070309020205020404" pitchFamily="49" charset="0"/>
+              </a:rPr>
+              <a:t> </a:t>
+            </a:r>
+            <a:r>
+              <a:rPr kumimoji="0" lang="ko-KR" altLang="ko-KR" sz="1200" b="0" i="0" u="none" strike="noStrike" cap="none" normalizeH="0" baseline="0" dirty="0">
+                <a:ln>
+                  <a:noFill/>
+                </a:ln>
+                <a:solidFill>
+                  <a:srgbClr val="A9B7C6"/>
+                </a:solidFill>
+                <a:effectLst/>
+                <a:latin typeface="Courier New" panose="02070309020205020404" pitchFamily="49" charset="0"/>
+                <a:cs typeface="Courier New" panose="02070309020205020404" pitchFamily="49" charset="0"/>
+              </a:rPr>
+              <a:t>= </a:t>
             </a:r>
             <a:r>
               <a:rPr kumimoji="0" lang="ko-KR" altLang="ko-KR" sz="1200" b="0" i="0" u="none" strike="noStrike" cap="none" normalizeH="0" baseline="0" dirty="0">
@@ -22644,6 +22680,13 @@
   <p:clrMapOvr>
     <a:masterClrMapping/>
   </p:clrMapOvr>
+  <p:timing>
+    <p:tnLst>
+      <p:par>
+        <p:cTn id="1" dur="indefinite" restart="never" nodeType="tmRoot"/>
+      </p:par>
+    </p:tnLst>
+  </p:timing>
 </p:sld>
 </file>
 
